--- a/Projeto/IDDB.pptx
+++ b/Projeto/IDDB.pptx
@@ -108,6 +108,11 @@
       </a:defRPr>
     </a:lvl9pPr>
   </p:defaultTextStyle>
+  <p:extLst>
+    <p:ext uri="{EFAFB233-063F-42B5-8137-9DF3F51BA10A}">
+      <p15:sldGuideLst xmlns:p15="http://schemas.microsoft.com/office/powerpoint/2012/main"/>
+    </p:ext>
+  </p:extLst>
 </p:presentation>
 </file>
 
@@ -399,7 +404,7 @@
             <a:fld id="{08B9EBBA-996F-894A-B54A-D6246ED52CEA}" type="datetimeFigureOut">
               <a:rPr lang="en-US" dirty="0"/>
               <a:pPr/>
-              <a:t>11/3/2020</a:t>
+              <a:t>11/4/2020</a:t>
             </a:fld>
             <a:endParaRPr lang="en-US" dirty="0"/>
           </a:p>
@@ -714,7 +719,7 @@
             <a:fld id="{18C79C5D-2A6F-F04D-97DA-BEF2467B64E4}" type="datetimeFigureOut">
               <a:rPr lang="en-US" dirty="0"/>
               <a:pPr/>
-              <a:t>11/3/2020</a:t>
+              <a:t>11/4/2020</a:t>
             </a:fld>
             <a:endParaRPr lang="en-US" dirty="0"/>
           </a:p>
@@ -1199,7 +1204,7 @@
             <a:fld id="{8DFA1846-DA80-1C48-A609-854EA85C59AD}" type="datetimeFigureOut">
               <a:rPr lang="en-US" dirty="0"/>
               <a:pPr/>
-              <a:t>11/3/2020</a:t>
+              <a:t>11/4/2020</a:t>
             </a:fld>
             <a:endParaRPr lang="en-US" dirty="0"/>
           </a:p>
@@ -1565,7 +1570,7 @@
             <a:fld id="{FBF54567-0DE4-3F47-BF90-CB84690072F9}" type="datetimeFigureOut">
               <a:rPr lang="en-US" dirty="0"/>
               <a:pPr/>
-              <a:t>11/3/2020</a:t>
+              <a:t>11/4/2020</a:t>
             </a:fld>
             <a:endParaRPr lang="en-US" dirty="0"/>
           </a:p>
@@ -1835,7 +1840,7 @@
             <a:fld id="{C6C52C72-DE31-F449-A4ED-4C594FD91407}" type="datetimeFigureOut">
               <a:rPr lang="en-US" dirty="0"/>
               <a:pPr/>
-              <a:t>11/3/2020</a:t>
+              <a:t>11/4/2020</a:t>
             </a:fld>
             <a:endParaRPr lang="en-US" dirty="0"/>
           </a:p>
@@ -2117,7 +2122,7 @@
             <a:fld id="{ED62726E-379B-B349-9EED-81ED093FA806}" type="datetimeFigureOut">
               <a:rPr lang="en-US" dirty="0"/>
               <a:pPr/>
-              <a:t>11/3/2020</a:t>
+              <a:t>11/4/2020</a:t>
             </a:fld>
             <a:endParaRPr lang="en-US" dirty="0"/>
           </a:p>
@@ -2397,7 +2402,7 @@
             <a:fld id="{9B3A1323-8D79-1946-B0D7-40001CF92E9D}" type="datetimeFigureOut">
               <a:rPr lang="en-US" dirty="0"/>
               <a:pPr/>
-              <a:t>11/3/2020</a:t>
+              <a:t>11/4/2020</a:t>
             </a:fld>
             <a:endParaRPr lang="en-US" dirty="0"/>
           </a:p>
@@ -2737,7 +2742,7 @@
             <a:fld id="{8DFA1846-DA80-1C48-A609-854EA85C59AD}" type="datetimeFigureOut">
               <a:rPr lang="en-US" dirty="0"/>
               <a:pPr/>
-              <a:t>11/3/2020</a:t>
+              <a:t>11/4/2020</a:t>
             </a:fld>
             <a:endParaRPr lang="en-US" dirty="0"/>
           </a:p>
@@ -3073,7 +3078,7 @@
             <a:fld id="{57302355-E14B-8545-A8F8-0FE83CC9D524}" type="datetimeFigureOut">
               <a:rPr lang="en-US" dirty="0"/>
               <a:pPr/>
-              <a:t>11/3/2020</a:t>
+              <a:t>11/4/2020</a:t>
             </a:fld>
             <a:endParaRPr lang="en-US" dirty="0"/>
           </a:p>
@@ -3547,7 +3552,7 @@
             <a:fld id="{02640F58-564D-2B4F-AE67-E407BA4FCF45}" type="datetimeFigureOut">
               <a:rPr lang="en-US" dirty="0"/>
               <a:pPr/>
-              <a:t>11/3/2020</a:t>
+              <a:t>11/4/2020</a:t>
             </a:fld>
             <a:endParaRPr lang="en-US" dirty="0"/>
           </a:p>
@@ -3765,7 +3770,7 @@
             <a:fld id="{F13A34C8-038E-2045-AF43-DF7DBB8E0E9E}" type="datetimeFigureOut">
               <a:rPr lang="en-US" dirty="0"/>
               <a:pPr/>
-              <a:t>11/3/2020</a:t>
+              <a:t>11/4/2020</a:t>
             </a:fld>
             <a:endParaRPr lang="en-US" dirty="0"/>
           </a:p>
@@ -3857,7 +3862,7 @@
             <a:fld id="{8818C68F-D26B-8F47-958C-23B49CF8A634}" type="datetimeFigureOut">
               <a:rPr lang="en-US" dirty="0"/>
               <a:pPr/>
-              <a:t>11/3/2020</a:t>
+              <a:t>11/4/2020</a:t>
             </a:fld>
             <a:endParaRPr lang="en-US" dirty="0"/>
           </a:p>
@@ -4321,7 +4326,7 @@
             <a:fld id="{D0DF5E60-9974-AC48-9591-99C2BB44B7CF}" type="datetimeFigureOut">
               <a:rPr lang="en-US" dirty="0"/>
               <a:pPr/>
-              <a:t>11/3/2020</a:t>
+              <a:t>11/4/2020</a:t>
             </a:fld>
             <a:endParaRPr lang="en-US" dirty="0"/>
           </a:p>
@@ -4631,7 +4636,7 @@
             <a:fld id="{18C79C5D-2A6F-F04D-97DA-BEF2467B64E4}" type="datetimeFigureOut">
               <a:rPr lang="en-US" dirty="0"/>
               <a:pPr/>
-              <a:t>11/3/2020</a:t>
+              <a:t>11/4/2020</a:t>
             </a:fld>
             <a:endParaRPr lang="en-US" dirty="0"/>
           </a:p>
@@ -4898,7 +4903,7 @@
             <a:fld id="{09B482E8-6E0E-1B4F-B1FD-C69DB9E858D9}" type="datetimeFigureOut">
               <a:rPr lang="en-US" dirty="0"/>
               <a:pPr/>
-              <a:t>11/3/2020</a:t>
+              <a:t>11/4/2020</a:t>
             </a:fld>
             <a:endParaRPr lang="en-US" dirty="0"/>
           </a:p>
@@ -5372,7 +5377,7 @@
           <a:p>
             <a:r>
               <a:rPr lang="pt-PT" dirty="0"/>
-              <a:t>AMSI-IDMB</a:t>
+              <a:t>AMSI-IDDB</a:t>
             </a:r>
           </a:p>
         </p:txBody>
@@ -5427,10 +5432,10 @@
       </p:sp>
       <p:pic>
         <p:nvPicPr>
-          <p:cNvPr id="2050" name="Picture 2" descr="Escolas/Serviços | Normas Gráficas">
+          <p:cNvPr id="1026" name="Picture 2" descr="ESTG 30 anos | Escola Superior de Tecnologia e Gestão">
             <a:extLst>
               <a:ext uri="{FF2B5EF4-FFF2-40B4-BE49-F238E27FC236}">
-                <a16:creationId xmlns:a16="http://schemas.microsoft.com/office/drawing/2014/main" id="{2191E1A8-5695-45AF-9D1A-420971D859D6}"/>
+                <a16:creationId xmlns:a16="http://schemas.microsoft.com/office/drawing/2014/main" id="{6A560D75-BAC7-4B4F-89C4-0E0FD3E021B9}"/>
               </a:ext>
             </a:extLst>
           </p:cNvPr>
@@ -5439,7 +5444,7 @@
           </p:cNvPicPr>
           <p:nvPr/>
         </p:nvPicPr>
-        <p:blipFill>
+        <p:blipFill rotWithShape="1">
           <a:blip r:embed="rId2">
             <a:extLst>
               <a:ext uri="{28A0092B-C50C-407E-A947-70E740481C1C}">
@@ -5447,15 +5452,13 @@
               </a:ext>
             </a:extLst>
           </a:blip>
-          <a:srcRect/>
-          <a:stretch>
-            <a:fillRect/>
-          </a:stretch>
+          <a:srcRect r="24063"/>
+          <a:stretch/>
         </p:blipFill>
         <p:spPr bwMode="auto">
           <a:xfrm>
-            <a:off x="0" y="105335"/>
-            <a:ext cx="4532555" cy="1262978"/>
+            <a:off x="160019" y="28596"/>
+            <a:ext cx="6436771" cy="1209654"/>
           </a:xfrm>
           <a:prstGeom prst="rect">
             <a:avLst/>
@@ -5756,7 +5759,7 @@
             <p:ph idx="1"/>
           </p:nvPr>
         </p:nvPicPr>
-        <p:blipFill>
+        <p:blipFill rotWithShape="1">
           <a:blip r:embed="rId2">
             <a:extLst>
               <a:ext uri="{28A0092B-C50C-407E-A947-70E740481C1C}">
@@ -5764,20 +5767,70 @@
               </a:ext>
             </a:extLst>
           </a:blip>
-          <a:srcRect/>
-          <a:stretch>
-            <a:fillRect/>
-          </a:stretch>
+          <a:srcRect l="1" r="908" b="50044"/>
+          <a:stretch/>
         </p:blipFill>
         <p:spPr bwMode="auto">
           <a:xfrm>
-            <a:off x="3033657" y="1809216"/>
-            <a:ext cx="5590575" cy="4921618"/>
+            <a:off x="454400" y="2768600"/>
+            <a:ext cx="6381296" cy="2832100"/>
           </a:xfrm>
           <a:prstGeom prst="rect">
             <a:avLst/>
           </a:prstGeom>
           <a:noFill/>
+          <a:extLst>
+            <a:ext uri="{909E8E84-426E-40DD-AFC4-6F175D3DCCD1}">
+              <a14:hiddenFill xmlns:a14="http://schemas.microsoft.com/office/drawing/2010/main">
+                <a:solidFill>
+                  <a:srgbClr val="FFFFFF"/>
+                </a:solidFill>
+              </a14:hiddenFill>
+            </a:ext>
+          </a:extLst>
+        </p:spPr>
+      </p:pic>
+      <p:pic>
+        <p:nvPicPr>
+          <p:cNvPr id="4" name="Picture 2">
+            <a:extLst>
+              <a:ext uri="{FF2B5EF4-FFF2-40B4-BE49-F238E27FC236}">
+                <a16:creationId xmlns:a16="http://schemas.microsoft.com/office/drawing/2014/main" id="{BC05FD25-E19D-4901-9BF4-0A963A8C70AA}"/>
+              </a:ext>
+            </a:extLst>
+          </p:cNvPr>
+          <p:cNvPicPr>
+            <a:picLocks noChangeAspect="1" noChangeArrowheads="1"/>
+          </p:cNvPicPr>
+          <p:nvPr/>
+        </p:nvPicPr>
+        <p:blipFill rotWithShape="1">
+          <a:blip r:embed="rId2">
+            <a:extLst>
+              <a:ext uri="{28A0092B-C50C-407E-A947-70E740481C1C}">
+                <a14:useLocalDpi xmlns:a14="http://schemas.microsoft.com/office/drawing/2010/main" val="0"/>
+              </a:ext>
+            </a:extLst>
+          </a:blip>
+          <a:srcRect l="-3" t="49956" r="23899" b="88"/>
+          <a:stretch/>
+        </p:blipFill>
+        <p:spPr bwMode="auto">
+          <a:xfrm>
+            <a:off x="6835696" y="2768600"/>
+            <a:ext cx="4900783" cy="2832100"/>
+          </a:xfrm>
+          <a:prstGeom prst="rect">
+            <a:avLst/>
+          </a:prstGeom>
+          <a:noFill/>
+          <a:effectLst>
+            <a:outerShdw blurRad="50800" dir="14400000">
+              <a:srgbClr val="000000">
+                <a:alpha val="40000"/>
+              </a:srgbClr>
+            </a:outerShdw>
+          </a:effectLst>
           <a:extLst>
             <a:ext uri="{909E8E84-426E-40DD-AFC4-6F175D3DCCD1}">
               <a14:hiddenFill xmlns:a14="http://schemas.microsoft.com/office/drawing/2010/main">
